--- a/sim_results.pptx
+++ b/sim_results.pptx
@@ -10,6 +10,10 @@
     <p:sldId id="258" r:id="rId4"/>
     <p:sldId id="259" r:id="rId5"/>
     <p:sldId id="260" r:id="rId6"/>
+    <p:sldId id="261" r:id="rId7"/>
+    <p:sldId id="262" r:id="rId8"/>
+    <p:sldId id="264" r:id="rId9"/>
+    <p:sldId id="263" r:id="rId10"/>
   </p:sldIdLst>
   <p:sldSz cx="12192000" cy="6858000"/>
   <p:notesSz cx="6858000" cy="9144000"/>
@@ -263,7 +267,7 @@
           <a:p>
             <a:fld id="{350BB952-4ABB-2145-AAFD-AA18944E755B}" type="datetimeFigureOut">
               <a:rPr kumimoji="1" lang="zh-CN" altLang="en-US" smtClean="0"/>
-              <a:t>2023/9/29</a:t>
+              <a:t>2023/10/17</a:t>
             </a:fld>
             <a:endParaRPr kumimoji="1" lang="zh-CN" altLang="en-US"/>
           </a:p>
@@ -461,7 +465,7 @@
           <a:p>
             <a:fld id="{350BB952-4ABB-2145-AAFD-AA18944E755B}" type="datetimeFigureOut">
               <a:rPr kumimoji="1" lang="zh-CN" altLang="en-US" smtClean="0"/>
-              <a:t>2023/9/29</a:t>
+              <a:t>2023/10/17</a:t>
             </a:fld>
             <a:endParaRPr kumimoji="1" lang="zh-CN" altLang="en-US"/>
           </a:p>
@@ -669,7 +673,7 @@
           <a:p>
             <a:fld id="{350BB952-4ABB-2145-AAFD-AA18944E755B}" type="datetimeFigureOut">
               <a:rPr kumimoji="1" lang="zh-CN" altLang="en-US" smtClean="0"/>
-              <a:t>2023/9/29</a:t>
+              <a:t>2023/10/17</a:t>
             </a:fld>
             <a:endParaRPr kumimoji="1" lang="zh-CN" altLang="en-US"/>
           </a:p>
@@ -867,7 +871,7 @@
           <a:p>
             <a:fld id="{350BB952-4ABB-2145-AAFD-AA18944E755B}" type="datetimeFigureOut">
               <a:rPr kumimoji="1" lang="zh-CN" altLang="en-US" smtClean="0"/>
-              <a:t>2023/9/29</a:t>
+              <a:t>2023/10/17</a:t>
             </a:fld>
             <a:endParaRPr kumimoji="1" lang="zh-CN" altLang="en-US"/>
           </a:p>
@@ -1142,7 +1146,7 @@
           <a:p>
             <a:fld id="{350BB952-4ABB-2145-AAFD-AA18944E755B}" type="datetimeFigureOut">
               <a:rPr kumimoji="1" lang="zh-CN" altLang="en-US" smtClean="0"/>
-              <a:t>2023/9/29</a:t>
+              <a:t>2023/10/17</a:t>
             </a:fld>
             <a:endParaRPr kumimoji="1" lang="zh-CN" altLang="en-US"/>
           </a:p>
@@ -1407,7 +1411,7 @@
           <a:p>
             <a:fld id="{350BB952-4ABB-2145-AAFD-AA18944E755B}" type="datetimeFigureOut">
               <a:rPr kumimoji="1" lang="zh-CN" altLang="en-US" smtClean="0"/>
-              <a:t>2023/9/29</a:t>
+              <a:t>2023/10/17</a:t>
             </a:fld>
             <a:endParaRPr kumimoji="1" lang="zh-CN" altLang="en-US"/>
           </a:p>
@@ -1819,7 +1823,7 @@
           <a:p>
             <a:fld id="{350BB952-4ABB-2145-AAFD-AA18944E755B}" type="datetimeFigureOut">
               <a:rPr kumimoji="1" lang="zh-CN" altLang="en-US" smtClean="0"/>
-              <a:t>2023/9/29</a:t>
+              <a:t>2023/10/17</a:t>
             </a:fld>
             <a:endParaRPr kumimoji="1" lang="zh-CN" altLang="en-US"/>
           </a:p>
@@ -1960,7 +1964,7 @@
           <a:p>
             <a:fld id="{350BB952-4ABB-2145-AAFD-AA18944E755B}" type="datetimeFigureOut">
               <a:rPr kumimoji="1" lang="zh-CN" altLang="en-US" smtClean="0"/>
-              <a:t>2023/9/29</a:t>
+              <a:t>2023/10/17</a:t>
             </a:fld>
             <a:endParaRPr kumimoji="1" lang="zh-CN" altLang="en-US"/>
           </a:p>
@@ -2073,7 +2077,7 @@
           <a:p>
             <a:fld id="{350BB952-4ABB-2145-AAFD-AA18944E755B}" type="datetimeFigureOut">
               <a:rPr kumimoji="1" lang="zh-CN" altLang="en-US" smtClean="0"/>
-              <a:t>2023/9/29</a:t>
+              <a:t>2023/10/17</a:t>
             </a:fld>
             <a:endParaRPr kumimoji="1" lang="zh-CN" altLang="en-US"/>
           </a:p>
@@ -2384,7 +2388,7 @@
           <a:p>
             <a:fld id="{350BB952-4ABB-2145-AAFD-AA18944E755B}" type="datetimeFigureOut">
               <a:rPr kumimoji="1" lang="zh-CN" altLang="en-US" smtClean="0"/>
-              <a:t>2023/9/29</a:t>
+              <a:t>2023/10/17</a:t>
             </a:fld>
             <a:endParaRPr kumimoji="1" lang="zh-CN" altLang="en-US"/>
           </a:p>
@@ -2672,7 +2676,7 @@
           <a:p>
             <a:fld id="{350BB952-4ABB-2145-AAFD-AA18944E755B}" type="datetimeFigureOut">
               <a:rPr kumimoji="1" lang="zh-CN" altLang="en-US" smtClean="0"/>
-              <a:t>2023/9/29</a:t>
+              <a:t>2023/10/17</a:t>
             </a:fld>
             <a:endParaRPr kumimoji="1" lang="zh-CN" altLang="en-US"/>
           </a:p>
@@ -2913,7 +2917,7 @@
           <a:p>
             <a:fld id="{350BB952-4ABB-2145-AAFD-AA18944E755B}" type="datetimeFigureOut">
               <a:rPr kumimoji="1" lang="zh-CN" altLang="en-US" smtClean="0"/>
-              <a:t>2023/9/29</a:t>
+              <a:t>2023/10/17</a:t>
             </a:fld>
             <a:endParaRPr kumimoji="1" lang="zh-CN" altLang="en-US"/>
           </a:p>
@@ -4884,6 +4888,678 @@
 </p:sld>
 </file>
 
+<file path=ppt/slides/slide6.xml><?xml version="1.0" encoding="utf-8"?>
+<p:sld xmlns:a="http://schemas.openxmlformats.org/drawingml/2006/main" xmlns:r="http://schemas.openxmlformats.org/officeDocument/2006/relationships" xmlns:p="http://schemas.openxmlformats.org/presentationml/2006/main">
+  <p:cSld>
+    <p:spTree>
+      <p:nvGrpSpPr>
+        <p:cNvPr id="1" name=""/>
+        <p:cNvGrpSpPr/>
+        <p:nvPr/>
+      </p:nvGrpSpPr>
+      <p:grpSpPr>
+        <a:xfrm>
+          <a:off x="0" y="0"/>
+          <a:ext cx="0" cy="0"/>
+          <a:chOff x="0" y="0"/>
+          <a:chExt cx="0" cy="0"/>
+        </a:xfrm>
+      </p:grpSpPr>
+      <p:sp>
+        <p:nvSpPr>
+          <p:cNvPr id="2" name="标题 1">
+            <a:extLst>
+              <a:ext uri="{FF2B5EF4-FFF2-40B4-BE49-F238E27FC236}">
+                <a16:creationId xmlns:a16="http://schemas.microsoft.com/office/drawing/2014/main" id="{106EC165-755E-EE13-A18F-1D5521DAAAE7}"/>
+              </a:ext>
+            </a:extLst>
+          </p:cNvPr>
+          <p:cNvSpPr>
+            <a:spLocks noGrp="1"/>
+          </p:cNvSpPr>
+          <p:nvPr>
+            <p:ph type="title"/>
+          </p:nvPr>
+        </p:nvSpPr>
+        <p:spPr>
+          <a:xfrm>
+            <a:off x="239110" y="86594"/>
+            <a:ext cx="10515600" cy="1325563"/>
+          </a:xfrm>
+        </p:spPr>
+        <p:txBody>
+          <a:bodyPr/>
+          <a:lstStyle/>
+          <a:p>
+            <a:r>
+              <a:rPr kumimoji="1" lang="en-US" altLang="zh-CN" dirty="0">
+                <a:latin typeface="Apple Braille" pitchFamily="2" charset="0"/>
+              </a:rPr>
+              <a:t>Noise induced phase transition(Slope)</a:t>
+            </a:r>
+            <a:endParaRPr kumimoji="1" lang="zh-CN" altLang="en-US" dirty="0">
+              <a:latin typeface="Apple Braille" pitchFamily="2" charset="0"/>
+            </a:endParaRPr>
+          </a:p>
+        </p:txBody>
+      </p:sp>
+      <p:pic>
+        <p:nvPicPr>
+          <p:cNvPr id="8" name="图片 7">
+            <a:extLst>
+              <a:ext uri="{FF2B5EF4-FFF2-40B4-BE49-F238E27FC236}">
+                <a16:creationId xmlns:a16="http://schemas.microsoft.com/office/drawing/2014/main" id="{455F4E35-2FD2-8B4B-6CB2-50A9A4755BEC}"/>
+              </a:ext>
+            </a:extLst>
+          </p:cNvPr>
+          <p:cNvPicPr>
+            <a:picLocks noChangeAspect="1"/>
+          </p:cNvPicPr>
+          <p:nvPr/>
+        </p:nvPicPr>
+        <p:blipFill>
+          <a:blip r:embed="rId2"/>
+          <a:stretch>
+            <a:fillRect/>
+          </a:stretch>
+        </p:blipFill>
+        <p:spPr>
+          <a:xfrm>
+            <a:off x="17458" y="1852378"/>
+            <a:ext cx="12157083" cy="3153243"/>
+          </a:xfrm>
+          <a:prstGeom prst="rect">
+            <a:avLst/>
+          </a:prstGeom>
+        </p:spPr>
+      </p:pic>
+    </p:spTree>
+    <p:extLst>
+      <p:ext uri="{BB962C8B-B14F-4D97-AF65-F5344CB8AC3E}">
+        <p14:creationId xmlns:p14="http://schemas.microsoft.com/office/powerpoint/2010/main" val="1003103983"/>
+      </p:ext>
+    </p:extLst>
+  </p:cSld>
+  <p:clrMapOvr>
+    <a:masterClrMapping/>
+  </p:clrMapOvr>
+</p:sld>
+</file>
+
+<file path=ppt/slides/slide7.xml><?xml version="1.0" encoding="utf-8"?>
+<p:sld xmlns:a="http://schemas.openxmlformats.org/drawingml/2006/main" xmlns:r="http://schemas.openxmlformats.org/officeDocument/2006/relationships" xmlns:p="http://schemas.openxmlformats.org/presentationml/2006/main">
+  <p:cSld>
+    <p:spTree>
+      <p:nvGrpSpPr>
+        <p:cNvPr id="1" name=""/>
+        <p:cNvGrpSpPr/>
+        <p:nvPr/>
+      </p:nvGrpSpPr>
+      <p:grpSpPr>
+        <a:xfrm>
+          <a:off x="0" y="0"/>
+          <a:ext cx="0" cy="0"/>
+          <a:chOff x="0" y="0"/>
+          <a:chExt cx="0" cy="0"/>
+        </a:xfrm>
+      </p:grpSpPr>
+      <p:sp>
+        <p:nvSpPr>
+          <p:cNvPr id="2" name="标题 1">
+            <a:extLst>
+              <a:ext uri="{FF2B5EF4-FFF2-40B4-BE49-F238E27FC236}">
+                <a16:creationId xmlns:a16="http://schemas.microsoft.com/office/drawing/2014/main" id="{106EC165-755E-EE13-A18F-1D5521DAAAE7}"/>
+              </a:ext>
+            </a:extLst>
+          </p:cNvPr>
+          <p:cNvSpPr>
+            <a:spLocks noGrp="1"/>
+          </p:cNvSpPr>
+          <p:nvPr>
+            <p:ph type="title"/>
+          </p:nvPr>
+        </p:nvSpPr>
+        <p:spPr>
+          <a:xfrm>
+            <a:off x="239110" y="86594"/>
+            <a:ext cx="10515600" cy="1325563"/>
+          </a:xfrm>
+        </p:spPr>
+        <p:txBody>
+          <a:bodyPr/>
+          <a:lstStyle/>
+          <a:p>
+            <a:r>
+              <a:rPr kumimoji="1" lang="en-US" altLang="zh-CN" dirty="0">
+                <a:latin typeface="Apple Braille" pitchFamily="2" charset="0"/>
+              </a:rPr>
+              <a:t>Noise induced phase transition(Slope)</a:t>
+            </a:r>
+            <a:endParaRPr kumimoji="1" lang="zh-CN" altLang="en-US" dirty="0">
+              <a:latin typeface="Apple Braille" pitchFamily="2" charset="0"/>
+            </a:endParaRPr>
+          </a:p>
+        </p:txBody>
+      </p:sp>
+      <p:sp>
+        <p:nvSpPr>
+          <p:cNvPr id="4" name="文本框 3">
+            <a:extLst>
+              <a:ext uri="{FF2B5EF4-FFF2-40B4-BE49-F238E27FC236}">
+                <a16:creationId xmlns:a16="http://schemas.microsoft.com/office/drawing/2014/main" id="{911D053E-5196-851E-01F8-DEAEB7F28C15}"/>
+              </a:ext>
+            </a:extLst>
+          </p:cNvPr>
+          <p:cNvSpPr txBox="1"/>
+          <p:nvPr/>
+        </p:nvSpPr>
+        <p:spPr>
+          <a:xfrm>
+            <a:off x="2779985" y="5591504"/>
+            <a:ext cx="5433849" cy="923330"/>
+          </a:xfrm>
+          <a:prstGeom prst="rect">
+            <a:avLst/>
+          </a:prstGeom>
+          <a:noFill/>
+        </p:spPr>
+        <p:txBody>
+          <a:bodyPr wrap="square" rtlCol="0">
+            <a:spAutoFit/>
+          </a:bodyPr>
+          <a:lstStyle/>
+          <a:p>
+            <a:pPr algn="ctr"/>
+            <a:r>
+              <a:rPr kumimoji="1" lang="en-US" altLang="zh-CN" dirty="0">
+                <a:latin typeface="Apple Braille" pitchFamily="2" charset="0"/>
+              </a:rPr>
+              <a:t>N=10 1D-chain</a:t>
+            </a:r>
+          </a:p>
+          <a:p>
+            <a:pPr algn="ctr"/>
+            <a:r>
+              <a:rPr kumimoji="1" lang="en-US" altLang="zh-CN" dirty="0">
+                <a:latin typeface="Apple Braille" pitchFamily="2" charset="0"/>
+              </a:rPr>
+              <a:t>Averaged over 10 random circuits</a:t>
+            </a:r>
+          </a:p>
+          <a:p>
+            <a:pPr algn="ctr"/>
+            <a:r>
+              <a:rPr kumimoji="1" lang="en-US" altLang="zh-CN" dirty="0">
+                <a:latin typeface="Apple Braille" pitchFamily="2" charset="0"/>
+              </a:rPr>
+              <a:t>Density matrix simulation for noisy circuit </a:t>
+            </a:r>
+          </a:p>
+        </p:txBody>
+      </p:sp>
+      <p:pic>
+        <p:nvPicPr>
+          <p:cNvPr id="3" name="图片 2">
+            <a:extLst>
+              <a:ext uri="{FF2B5EF4-FFF2-40B4-BE49-F238E27FC236}">
+                <a16:creationId xmlns:a16="http://schemas.microsoft.com/office/drawing/2014/main" id="{63DE74E0-938E-C13A-2117-A033AEA0361E}"/>
+              </a:ext>
+            </a:extLst>
+          </p:cNvPr>
+          <p:cNvPicPr>
+            <a:picLocks noChangeAspect="1"/>
+          </p:cNvPicPr>
+          <p:nvPr/>
+        </p:nvPicPr>
+        <p:blipFill>
+          <a:blip r:embed="rId2"/>
+          <a:stretch>
+            <a:fillRect/>
+          </a:stretch>
+        </p:blipFill>
+        <p:spPr>
+          <a:xfrm>
+            <a:off x="329390" y="1734268"/>
+            <a:ext cx="5167519" cy="3857236"/>
+          </a:xfrm>
+          <a:prstGeom prst="rect">
+            <a:avLst/>
+          </a:prstGeom>
+        </p:spPr>
+      </p:pic>
+      <p:pic>
+        <p:nvPicPr>
+          <p:cNvPr id="5" name="图片 4">
+            <a:extLst>
+              <a:ext uri="{FF2B5EF4-FFF2-40B4-BE49-F238E27FC236}">
+                <a16:creationId xmlns:a16="http://schemas.microsoft.com/office/drawing/2014/main" id="{FDC6639D-D06B-06A7-5D19-F0389B7E8EF6}"/>
+              </a:ext>
+            </a:extLst>
+          </p:cNvPr>
+          <p:cNvPicPr>
+            <a:picLocks noChangeAspect="1"/>
+          </p:cNvPicPr>
+          <p:nvPr/>
+        </p:nvPicPr>
+        <p:blipFill>
+          <a:blip r:embed="rId3"/>
+          <a:stretch>
+            <a:fillRect/>
+          </a:stretch>
+        </p:blipFill>
+        <p:spPr>
+          <a:xfrm>
+            <a:off x="6096000" y="1734267"/>
+            <a:ext cx="5167519" cy="3850021"/>
+          </a:xfrm>
+          <a:prstGeom prst="rect">
+            <a:avLst/>
+          </a:prstGeom>
+        </p:spPr>
+      </p:pic>
+    </p:spTree>
+    <p:extLst>
+      <p:ext uri="{BB962C8B-B14F-4D97-AF65-F5344CB8AC3E}">
+        <p14:creationId xmlns:p14="http://schemas.microsoft.com/office/powerpoint/2010/main" val="1293158033"/>
+      </p:ext>
+    </p:extLst>
+  </p:cSld>
+  <p:clrMapOvr>
+    <a:masterClrMapping/>
+  </p:clrMapOvr>
+</p:sld>
+</file>
+
+<file path=ppt/slides/slide8.xml><?xml version="1.0" encoding="utf-8"?>
+<p:sld xmlns:a="http://schemas.openxmlformats.org/drawingml/2006/main" xmlns:r="http://schemas.openxmlformats.org/officeDocument/2006/relationships" xmlns:p="http://schemas.openxmlformats.org/presentationml/2006/main">
+  <p:cSld>
+    <p:spTree>
+      <p:nvGrpSpPr>
+        <p:cNvPr id="1" name=""/>
+        <p:cNvGrpSpPr/>
+        <p:nvPr/>
+      </p:nvGrpSpPr>
+      <p:grpSpPr>
+        <a:xfrm>
+          <a:off x="0" y="0"/>
+          <a:ext cx="0" cy="0"/>
+          <a:chOff x="0" y="0"/>
+          <a:chExt cx="0" cy="0"/>
+        </a:xfrm>
+      </p:grpSpPr>
+      <p:sp>
+        <p:nvSpPr>
+          <p:cNvPr id="2" name="标题 1">
+            <a:extLst>
+              <a:ext uri="{FF2B5EF4-FFF2-40B4-BE49-F238E27FC236}">
+                <a16:creationId xmlns:a16="http://schemas.microsoft.com/office/drawing/2014/main" id="{106EC165-755E-EE13-A18F-1D5521DAAAE7}"/>
+              </a:ext>
+            </a:extLst>
+          </p:cNvPr>
+          <p:cNvSpPr>
+            <a:spLocks noGrp="1"/>
+          </p:cNvSpPr>
+          <p:nvPr>
+            <p:ph type="title"/>
+          </p:nvPr>
+        </p:nvSpPr>
+        <p:spPr>
+          <a:xfrm>
+            <a:off x="239110" y="86594"/>
+            <a:ext cx="10515600" cy="1325563"/>
+          </a:xfrm>
+        </p:spPr>
+        <p:txBody>
+          <a:bodyPr/>
+          <a:lstStyle/>
+          <a:p>
+            <a:r>
+              <a:rPr kumimoji="1" lang="en-US" altLang="zh-CN" dirty="0">
+                <a:latin typeface="Apple Braille" pitchFamily="2" charset="0"/>
+              </a:rPr>
+              <a:t>Noise induced phase transition(Slope)</a:t>
+            </a:r>
+            <a:endParaRPr kumimoji="1" lang="zh-CN" altLang="en-US" dirty="0">
+              <a:latin typeface="Apple Braille" pitchFamily="2" charset="0"/>
+            </a:endParaRPr>
+          </a:p>
+        </p:txBody>
+      </p:sp>
+      <p:sp>
+        <p:nvSpPr>
+          <p:cNvPr id="4" name="文本框 3">
+            <a:extLst>
+              <a:ext uri="{FF2B5EF4-FFF2-40B4-BE49-F238E27FC236}">
+                <a16:creationId xmlns:a16="http://schemas.microsoft.com/office/drawing/2014/main" id="{911D053E-5196-851E-01F8-DEAEB7F28C15}"/>
+              </a:ext>
+            </a:extLst>
+          </p:cNvPr>
+          <p:cNvSpPr txBox="1"/>
+          <p:nvPr/>
+        </p:nvSpPr>
+        <p:spPr>
+          <a:xfrm>
+            <a:off x="2779985" y="5591504"/>
+            <a:ext cx="5433849" cy="923330"/>
+          </a:xfrm>
+          <a:prstGeom prst="rect">
+            <a:avLst/>
+          </a:prstGeom>
+          <a:noFill/>
+        </p:spPr>
+        <p:txBody>
+          <a:bodyPr wrap="square" rtlCol="0">
+            <a:spAutoFit/>
+          </a:bodyPr>
+          <a:lstStyle/>
+          <a:p>
+            <a:pPr algn="ctr"/>
+            <a:r>
+              <a:rPr kumimoji="1" lang="en-US" altLang="zh-CN" dirty="0">
+                <a:latin typeface="Apple Braille" pitchFamily="2" charset="0"/>
+              </a:rPr>
+              <a:t>N=10 1D-chain</a:t>
+            </a:r>
+          </a:p>
+          <a:p>
+            <a:pPr algn="ctr"/>
+            <a:r>
+              <a:rPr kumimoji="1" lang="en-US" altLang="zh-CN" dirty="0">
+                <a:latin typeface="Apple Braille" pitchFamily="2" charset="0"/>
+              </a:rPr>
+              <a:t>Averaged over 100 random circuits</a:t>
+            </a:r>
+          </a:p>
+          <a:p>
+            <a:pPr algn="ctr"/>
+            <a:r>
+              <a:rPr kumimoji="1" lang="en-US" altLang="zh-CN" dirty="0">
+                <a:latin typeface="Apple Braille" pitchFamily="2" charset="0"/>
+              </a:rPr>
+              <a:t>Density matrix simulation for noisy circuit </a:t>
+            </a:r>
+          </a:p>
+        </p:txBody>
+      </p:sp>
+      <p:pic>
+        <p:nvPicPr>
+          <p:cNvPr id="6" name="图片 5">
+            <a:extLst>
+              <a:ext uri="{FF2B5EF4-FFF2-40B4-BE49-F238E27FC236}">
+                <a16:creationId xmlns:a16="http://schemas.microsoft.com/office/drawing/2014/main" id="{3C1FF8E4-F53A-CF8F-E9C7-74821102CD17}"/>
+              </a:ext>
+            </a:extLst>
+          </p:cNvPr>
+          <p:cNvPicPr>
+            <a:picLocks noChangeAspect="1"/>
+          </p:cNvPicPr>
+          <p:nvPr/>
+        </p:nvPicPr>
+        <p:blipFill>
+          <a:blip r:embed="rId2"/>
+          <a:stretch>
+            <a:fillRect/>
+          </a:stretch>
+        </p:blipFill>
+        <p:spPr>
+          <a:xfrm>
+            <a:off x="589730" y="1636091"/>
+            <a:ext cx="5118291" cy="3820491"/>
+          </a:xfrm>
+          <a:prstGeom prst="rect">
+            <a:avLst/>
+          </a:prstGeom>
+        </p:spPr>
+      </p:pic>
+      <p:pic>
+        <p:nvPicPr>
+          <p:cNvPr id="7" name="图片 6">
+            <a:extLst>
+              <a:ext uri="{FF2B5EF4-FFF2-40B4-BE49-F238E27FC236}">
+                <a16:creationId xmlns:a16="http://schemas.microsoft.com/office/drawing/2014/main" id="{AEF8701C-2EB0-2448-50D4-28EB828CC8F4}"/>
+              </a:ext>
+            </a:extLst>
+          </p:cNvPr>
+          <p:cNvPicPr>
+            <a:picLocks noChangeAspect="1"/>
+          </p:cNvPicPr>
+          <p:nvPr/>
+        </p:nvPicPr>
+        <p:blipFill>
+          <a:blip r:embed="rId3"/>
+          <a:stretch>
+            <a:fillRect/>
+          </a:stretch>
+        </p:blipFill>
+        <p:spPr>
+          <a:xfrm>
+            <a:off x="6260518" y="1636091"/>
+            <a:ext cx="4990577" cy="3718192"/>
+          </a:xfrm>
+          <a:prstGeom prst="rect">
+            <a:avLst/>
+          </a:prstGeom>
+        </p:spPr>
+      </p:pic>
+    </p:spTree>
+    <p:extLst>
+      <p:ext uri="{BB962C8B-B14F-4D97-AF65-F5344CB8AC3E}">
+        <p14:creationId xmlns:p14="http://schemas.microsoft.com/office/powerpoint/2010/main" val="428406337"/>
+      </p:ext>
+    </p:extLst>
+  </p:cSld>
+  <p:clrMapOvr>
+    <a:masterClrMapping/>
+  </p:clrMapOvr>
+</p:sld>
+</file>
+
+<file path=ppt/slides/slide9.xml><?xml version="1.0" encoding="utf-8"?>
+<p:sld xmlns:a="http://schemas.openxmlformats.org/drawingml/2006/main" xmlns:r="http://schemas.openxmlformats.org/officeDocument/2006/relationships" xmlns:p="http://schemas.openxmlformats.org/presentationml/2006/main">
+  <p:cSld>
+    <p:spTree>
+      <p:nvGrpSpPr>
+        <p:cNvPr id="1" name=""/>
+        <p:cNvGrpSpPr/>
+        <p:nvPr/>
+      </p:nvGrpSpPr>
+      <p:grpSpPr>
+        <a:xfrm>
+          <a:off x="0" y="0"/>
+          <a:ext cx="0" cy="0"/>
+          <a:chOff x="0" y="0"/>
+          <a:chExt cx="0" cy="0"/>
+        </a:xfrm>
+      </p:grpSpPr>
+      <p:sp>
+        <p:nvSpPr>
+          <p:cNvPr id="3" name="内容占位符 2">
+            <a:extLst>
+              <a:ext uri="{FF2B5EF4-FFF2-40B4-BE49-F238E27FC236}">
+                <a16:creationId xmlns:a16="http://schemas.microsoft.com/office/drawing/2014/main" id="{1DBD6C2C-4941-E8E4-5445-2EA6C33C68BE}"/>
+              </a:ext>
+            </a:extLst>
+          </p:cNvPr>
+          <p:cNvSpPr>
+            <a:spLocks noGrp="1"/>
+          </p:cNvSpPr>
+          <p:nvPr>
+            <p:ph idx="1"/>
+          </p:nvPr>
+        </p:nvSpPr>
+        <p:spPr>
+          <a:xfrm>
+            <a:off x="838200" y="1155064"/>
+            <a:ext cx="10515600" cy="4930775"/>
+          </a:xfrm>
+        </p:spPr>
+        <p:txBody>
+          <a:bodyPr/>
+          <a:lstStyle/>
+          <a:p>
+            <a:r>
+              <a:rPr kumimoji="1" lang="zh-CN" altLang="en-US" dirty="0"/>
+              <a:t>实验</a:t>
+            </a:r>
+            <a:r>
+              <a:rPr kumimoji="1" lang="en-US" altLang="zh-CN" dirty="0"/>
+              <a:t>links</a:t>
+            </a:r>
+            <a:r>
+              <a:rPr kumimoji="1" lang="zh-CN" altLang="en-US" dirty="0"/>
+              <a:t>怎么定义的：</a:t>
+            </a:r>
+            <a:r>
+              <a:rPr kumimoji="1" lang="en-US" altLang="zh-CN" sz="2400" dirty="0"/>
+              <a:t>links-per-4-cycles=(total_links_in_4_cycles) / 4</a:t>
+            </a:r>
+            <a:r>
+              <a:rPr kumimoji="1" lang="zh-CN" altLang="en-US" sz="2400" dirty="0"/>
+              <a:t>，即每新增一个连接的</a:t>
+            </a:r>
+            <a:r>
+              <a:rPr kumimoji="1" lang="en-US" altLang="zh-CN" sz="2400" dirty="0"/>
+              <a:t>coupler</a:t>
+            </a:r>
+            <a:r>
+              <a:rPr kumimoji="1" lang="zh-CN" altLang="en-US" sz="2400" dirty="0"/>
+              <a:t> </a:t>
+            </a:r>
+            <a:r>
+              <a:rPr kumimoji="1" lang="en-US" altLang="zh-CN" sz="2400" dirty="0"/>
+              <a:t>+0.25</a:t>
+            </a:r>
+            <a:r>
+              <a:rPr kumimoji="1" lang="zh-CN" altLang="en-US" sz="2400" dirty="0"/>
+              <a:t>，实验对应的结构在切线处有</a:t>
+            </a:r>
+            <a:r>
+              <a:rPr kumimoji="1" lang="en-US" altLang="zh-CN" sz="2400" dirty="0"/>
+              <a:t>10</a:t>
+            </a:r>
+            <a:r>
+              <a:rPr kumimoji="1" lang="zh-CN" altLang="en-US" sz="2400" dirty="0"/>
+              <a:t>个</a:t>
+            </a:r>
+            <a:r>
+              <a:rPr kumimoji="1" lang="en-US" altLang="zh-CN" sz="2400" dirty="0"/>
+              <a:t>couplers</a:t>
+            </a:r>
+            <a:r>
+              <a:rPr kumimoji="1" lang="zh-CN" altLang="en-US" sz="2400" dirty="0"/>
+              <a:t>，则对应</a:t>
+            </a:r>
+            <a:r>
+              <a:rPr kumimoji="1" lang="en-US" altLang="zh-CN" sz="2400" dirty="0"/>
+              <a:t>links-per-4-cycles=2.5</a:t>
+            </a:r>
+            <a:endParaRPr kumimoji="1" lang="en-US" altLang="zh-CN" dirty="0"/>
+          </a:p>
+          <a:p>
+            <a:endParaRPr kumimoji="1" lang="en-US" altLang="zh-CN" dirty="0"/>
+          </a:p>
+          <a:p>
+            <a:r>
+              <a:rPr kumimoji="1" lang="zh-CN" altLang="en-US" dirty="0"/>
+              <a:t>验算</a:t>
+            </a:r>
+            <a:r>
+              <a:rPr kumimoji="1" lang="en-US" altLang="zh-CN" dirty="0"/>
+              <a:t>epsilon</a:t>
+            </a:r>
+            <a:r>
+              <a:rPr kumimoji="1" lang="zh-CN" altLang="en-US" dirty="0"/>
+              <a:t> </a:t>
+            </a:r>
+            <a:r>
+              <a:rPr kumimoji="1" lang="en-US" altLang="zh-CN" dirty="0"/>
+              <a:t>n</a:t>
+            </a:r>
+            <a:r>
+              <a:rPr kumimoji="1" lang="zh-CN" altLang="en-US" dirty="0"/>
+              <a:t>是否是图上的值（～ </a:t>
+            </a:r>
+            <a:r>
+              <a:rPr kumimoji="1" lang="en-US" altLang="zh-CN" dirty="0"/>
+              <a:t>0.2214</a:t>
+            </a:r>
+            <a:r>
+              <a:rPr kumimoji="1" lang="zh-CN" altLang="en-US" dirty="0"/>
+              <a:t>）：</a:t>
+            </a:r>
+            <a:r>
+              <a:rPr kumimoji="1" lang="zh-CN" altLang="en-US" sz="2400" dirty="0"/>
+              <a:t>实验拟合值，文章中点数太少拟合效果不佳</a:t>
+            </a:r>
+            <a:endParaRPr kumimoji="1" lang="en-US" altLang="zh-CN" sz="2400" dirty="0"/>
+          </a:p>
+          <a:p>
+            <a:endParaRPr kumimoji="1" lang="en-US" altLang="zh-CN" dirty="0"/>
+          </a:p>
+          <a:p>
+            <a:r>
+              <a:rPr kumimoji="1" lang="zh-CN" altLang="en-US" dirty="0"/>
+              <a:t>跑更多的随机线路看曲线会不会平滑：见</a:t>
+            </a:r>
+            <a:r>
+              <a:rPr kumimoji="1" lang="en-US" altLang="zh-CN" dirty="0" err="1"/>
+              <a:t>jl</a:t>
+            </a:r>
+            <a:endParaRPr kumimoji="1" lang="en-US" altLang="zh-CN" dirty="0"/>
+          </a:p>
+          <a:p>
+            <a:endParaRPr kumimoji="1" lang="en-US" altLang="zh-CN" dirty="0"/>
+          </a:p>
+          <a:p>
+            <a:r>
+              <a:rPr kumimoji="1" lang="zh-CN" altLang="en-US" dirty="0"/>
+              <a:t>随机数生成 </a:t>
+            </a:r>
+            <a:r>
+              <a:rPr kumimoji="1" lang="en-US" altLang="zh-CN" dirty="0"/>
+              <a:t>15</a:t>
+            </a:r>
+            <a:r>
+              <a:rPr kumimoji="1" lang="zh-CN" altLang="en-US" dirty="0"/>
+              <a:t>比特</a:t>
+            </a:r>
+            <a:r>
+              <a:rPr kumimoji="1" lang="en-US" altLang="zh-CN" dirty="0"/>
+              <a:t>4</a:t>
+            </a:r>
+            <a:r>
+              <a:rPr kumimoji="1" lang="zh-CN" altLang="en-US" dirty="0"/>
+              <a:t>深度，</a:t>
+            </a:r>
+            <a:r>
+              <a:rPr kumimoji="1" lang="en-US" altLang="zh-CN" dirty="0"/>
+              <a:t>20</a:t>
+            </a:r>
+            <a:r>
+              <a:rPr kumimoji="1" lang="zh-CN" altLang="en-US" dirty="0"/>
+              <a:t>深度 </a:t>
+            </a:r>
+            <a:r>
+              <a:rPr kumimoji="1" lang="en-US" altLang="zh-CN"/>
+              <a:t>NIST</a:t>
+            </a:r>
+            <a:endParaRPr kumimoji="1" lang="zh-CN" altLang="en-US" dirty="0"/>
+          </a:p>
+        </p:txBody>
+      </p:sp>
+    </p:spTree>
+    <p:extLst>
+      <p:ext uri="{BB962C8B-B14F-4D97-AF65-F5344CB8AC3E}">
+        <p14:creationId xmlns:p14="http://schemas.microsoft.com/office/powerpoint/2010/main" val="1516391013"/>
+      </p:ext>
+    </p:extLst>
+  </p:cSld>
+  <p:clrMapOvr>
+    <a:masterClrMapping/>
+  </p:clrMapOvr>
+</p:sld>
+</file>
+
 <file path=ppt/theme/theme1.xml><?xml version="1.0" encoding="utf-8"?>
 <a:theme xmlns:a="http://schemas.openxmlformats.org/drawingml/2006/main" name="Office 主题​​">
   <a:themeElements>
